--- a/Презентация.pptx
+++ b/Презентация.pptx
@@ -298,7 +298,7 @@
           <a:p>
             <a:fld id="{4AAD347D-5ACD-4C99-B74B-A9C85AD731AF}" type="datetimeFigureOut">
               <a:rPr lang="en-US" dirty="0"/>
-              <a:t>1/19/2021</a:t>
+              <a:t>4/22/2021</a:t>
             </a:fld>
             <a:endParaRPr lang="en-US" dirty="0"/>
           </a:p>
@@ -568,7 +568,7 @@
           <a:p>
             <a:fld id="{4509A250-FF31-4206-8172-F9D3106AACB1}" type="datetimeFigureOut">
               <a:rPr lang="en-US" dirty="0"/>
-              <a:t>1/19/2021</a:t>
+              <a:t>4/22/2021</a:t>
             </a:fld>
             <a:endParaRPr lang="en-US" dirty="0"/>
           </a:p>
@@ -757,7 +757,7 @@
           <a:p>
             <a:fld id="{4509A250-FF31-4206-8172-F9D3106AACB1}" type="datetimeFigureOut">
               <a:rPr lang="en-US" dirty="0"/>
-              <a:t>1/19/2021</a:t>
+              <a:t>4/22/2021</a:t>
             </a:fld>
             <a:endParaRPr lang="en-US" dirty="0"/>
           </a:p>
@@ -1020,7 +1020,7 @@
           <a:p>
             <a:fld id="{4509A250-FF31-4206-8172-F9D3106AACB1}" type="datetimeFigureOut">
               <a:rPr lang="en-US" dirty="0"/>
-              <a:t>1/19/2021</a:t>
+              <a:t>4/22/2021</a:t>
             </a:fld>
             <a:endParaRPr lang="en-US" dirty="0"/>
           </a:p>
@@ -1347,7 +1347,7 @@
           <a:p>
             <a:fld id="{4509A250-FF31-4206-8172-F9D3106AACB1}" type="datetimeFigureOut">
               <a:rPr lang="en-US" dirty="0"/>
-              <a:t>1/19/2021</a:t>
+              <a:t>4/22/2021</a:t>
             </a:fld>
             <a:endParaRPr lang="en-US" dirty="0"/>
           </a:p>
@@ -1952,7 +1952,7 @@
           <a:p>
             <a:fld id="{4509A250-FF31-4206-8172-F9D3106AACB1}" type="datetimeFigureOut">
               <a:rPr lang="en-US" dirty="0"/>
-              <a:t>1/19/2021</a:t>
+              <a:t>4/22/2021</a:t>
             </a:fld>
             <a:endParaRPr lang="en-US" dirty="0"/>
           </a:p>
@@ -2794,7 +2794,7 @@
           <a:p>
             <a:fld id="{4509A250-FF31-4206-8172-F9D3106AACB1}" type="datetimeFigureOut">
               <a:rPr lang="en-US" dirty="0"/>
-              <a:t>1/19/2021</a:t>
+              <a:t>4/22/2021</a:t>
             </a:fld>
             <a:endParaRPr lang="en-US" dirty="0"/>
           </a:p>
@@ -2959,7 +2959,7 @@
           <a:p>
             <a:fld id="{4509A250-FF31-4206-8172-F9D3106AACB1}" type="datetimeFigureOut">
               <a:rPr lang="en-US" dirty="0"/>
-              <a:t>1/19/2021</a:t>
+              <a:t>4/22/2021</a:t>
             </a:fld>
             <a:endParaRPr lang="en-US" dirty="0"/>
           </a:p>
@@ -3134,7 +3134,7 @@
           <a:p>
             <a:fld id="{4509A250-FF31-4206-8172-F9D3106AACB1}" type="datetimeFigureOut">
               <a:rPr lang="en-US" dirty="0"/>
-              <a:t>1/19/2021</a:t>
+              <a:t>4/22/2021</a:t>
             </a:fld>
             <a:endParaRPr lang="en-US" dirty="0"/>
           </a:p>
@@ -3299,7 +3299,7 @@
           <a:p>
             <a:fld id="{4509A250-FF31-4206-8172-F9D3106AACB1}" type="datetimeFigureOut">
               <a:rPr lang="en-US" dirty="0"/>
-              <a:t>1/19/2021</a:t>
+              <a:t>4/22/2021</a:t>
             </a:fld>
             <a:endParaRPr lang="en-US" dirty="0"/>
           </a:p>
@@ -3538,7 +3538,7 @@
           <a:p>
             <a:fld id="{4509A250-FF31-4206-8172-F9D3106AACB1}" type="datetimeFigureOut">
               <a:rPr lang="en-US" dirty="0"/>
-              <a:t>1/19/2021</a:t>
+              <a:t>4/22/2021</a:t>
             </a:fld>
             <a:endParaRPr lang="en-US" dirty="0"/>
           </a:p>
@@ -3825,7 +3825,7 @@
           <a:p>
             <a:fld id="{4509A250-FF31-4206-8172-F9D3106AACB1}" type="datetimeFigureOut">
               <a:rPr lang="en-US" dirty="0"/>
-              <a:t>1/19/2021</a:t>
+              <a:t>4/22/2021</a:t>
             </a:fld>
             <a:endParaRPr lang="en-US" dirty="0"/>
           </a:p>
@@ -4258,7 +4258,7 @@
           <a:p>
             <a:fld id="{4509A250-FF31-4206-8172-F9D3106AACB1}" type="datetimeFigureOut">
               <a:rPr lang="en-US" dirty="0"/>
-              <a:t>1/19/2021</a:t>
+              <a:t>4/22/2021</a:t>
             </a:fld>
             <a:endParaRPr lang="en-US" dirty="0"/>
           </a:p>
@@ -4371,7 +4371,7 @@
           <a:p>
             <a:fld id="{4509A250-FF31-4206-8172-F9D3106AACB1}" type="datetimeFigureOut">
               <a:rPr lang="en-US" dirty="0"/>
-              <a:t>1/19/2021</a:t>
+              <a:t>4/22/2021</a:t>
             </a:fld>
             <a:endParaRPr lang="en-US" dirty="0"/>
           </a:p>
@@ -4461,7 +4461,7 @@
           <a:p>
             <a:fld id="{4509A250-FF31-4206-8172-F9D3106AACB1}" type="datetimeFigureOut">
               <a:rPr lang="en-US" dirty="0"/>
-              <a:t>1/19/2021</a:t>
+              <a:t>4/22/2021</a:t>
             </a:fld>
             <a:endParaRPr lang="en-US" dirty="0"/>
           </a:p>
@@ -4735,7 +4735,7 @@
           <a:p>
             <a:fld id="{4509A250-FF31-4206-8172-F9D3106AACB1}" type="datetimeFigureOut">
               <a:rPr lang="en-US" dirty="0"/>
-              <a:t>1/19/2021</a:t>
+              <a:t>4/22/2021</a:t>
             </a:fld>
             <a:endParaRPr lang="en-US" dirty="0"/>
           </a:p>
@@ -5005,7 +5005,7 @@
           <a:p>
             <a:fld id="{4509A250-FF31-4206-8172-F9D3106AACB1}" type="datetimeFigureOut">
               <a:rPr lang="en-US" dirty="0"/>
-              <a:t>1/19/2021</a:t>
+              <a:t>4/22/2021</a:t>
             </a:fld>
             <a:endParaRPr lang="en-US" dirty="0"/>
           </a:p>
@@ -5429,7 +5429,7 @@
           <a:p>
             <a:fld id="{4509A250-FF31-4206-8172-F9D3106AACB1}" type="datetimeFigureOut">
               <a:rPr lang="en-US" dirty="0"/>
-              <a:t>1/19/2021</a:t>
+              <a:t>4/22/2021</a:t>
             </a:fld>
             <a:endParaRPr lang="en-US" dirty="0"/>
           </a:p>
@@ -5938,7 +5938,7 @@
         </p:nvSpPr>
         <p:spPr>
           <a:xfrm>
-            <a:off x="502026" y="1912470"/>
+            <a:off x="502026" y="2405765"/>
             <a:ext cx="10685928" cy="1791325"/>
           </a:xfrm>
         </p:spPr>
@@ -5951,28 +5951,27 @@
                 <a:latin typeface="Times New Roman" panose="02020603050405020304" pitchFamily="18" charset="0"/>
                 <a:cs typeface="Times New Roman" panose="02020603050405020304" pitchFamily="18" charset="0"/>
               </a:rPr>
-              <a:t>		</a:t>
+              <a:t>		     </a:t>
             </a:r>
             <a:r>
               <a:rPr lang="ru-RU" dirty="0" smtClean="0">
                 <a:latin typeface="Times New Roman" panose="02020603050405020304" pitchFamily="18" charset="0"/>
                 <a:cs typeface="Times New Roman" panose="02020603050405020304" pitchFamily="18" charset="0"/>
               </a:rPr>
-              <a:t>          </a:t>
-            </a:r>
-            <a:r>
-              <a:rPr lang="en-US" dirty="0" smtClean="0">
+              <a:t>Веб-приложение</a:t>
+            </a:r>
+            <a:br>
+              <a:rPr lang="ru-RU" dirty="0" smtClean="0">
                 <a:latin typeface="Times New Roman" panose="02020603050405020304" pitchFamily="18" charset="0"/>
                 <a:cs typeface="Times New Roman" panose="02020603050405020304" pitchFamily="18" charset="0"/>
               </a:rPr>
-              <a:t> </a:t>
-            </a:r>
-            <a:r>
-              <a:rPr lang="ru-RU" dirty="0" err="1" smtClean="0">
+            </a:br>
+            <a:r>
+              <a:rPr lang="ru-RU" dirty="0" smtClean="0">
                 <a:latin typeface="Times New Roman" panose="02020603050405020304" pitchFamily="18" charset="0"/>
                 <a:cs typeface="Times New Roman" panose="02020603050405020304" pitchFamily="18" charset="0"/>
               </a:rPr>
-              <a:t>Танчики</a:t>
+              <a:t>   «Электронный дневник»</a:t>
             </a:r>
             <a:endParaRPr lang="ru-RU" dirty="0">
               <a:latin typeface="Times New Roman" panose="02020603050405020304" pitchFamily="18" charset="0"/>
@@ -5993,21 +5992,27 @@
         </p:nvSpPr>
         <p:spPr>
           <a:xfrm>
-            <a:off x="6908800" y="4719795"/>
-            <a:ext cx="3765084" cy="403412"/>
+            <a:off x="5687649" y="4659637"/>
+            <a:ext cx="5500305" cy="403412"/>
           </a:xfrm>
         </p:spPr>
         <p:txBody>
           <a:bodyPr>
-            <a:normAutofit fontScale="85000" lnSpcReduction="10000"/>
+            <a:noAutofit/>
           </a:bodyPr>
           <a:lstStyle/>
           <a:p>
             <a:r>
-              <a:rPr lang="ru-RU" dirty="0" smtClean="0"/>
+              <a:rPr lang="ru-RU" sz="2400" dirty="0" smtClean="0">
+                <a:latin typeface="Times New Roman" panose="02020603050405020304" pitchFamily="18" charset="0"/>
+                <a:cs typeface="Times New Roman" panose="02020603050405020304" pitchFamily="18" charset="0"/>
+              </a:rPr>
               <a:t>Наумов Александр Павлович</a:t>
             </a:r>
-            <a:endParaRPr lang="ru-RU" dirty="0"/>
+            <a:endParaRPr lang="ru-RU" sz="2400" dirty="0">
+              <a:latin typeface="Times New Roman" panose="02020603050405020304" pitchFamily="18" charset="0"/>
+              <a:cs typeface="Times New Roman" panose="02020603050405020304" pitchFamily="18" charset="0"/>
+            </a:endParaRPr>
           </a:p>
         </p:txBody>
       </p:sp>
@@ -6084,7 +6089,7 @@
         <p:spPr>
           <a:xfrm>
             <a:off x="1022928" y="4256298"/>
-            <a:ext cx="8085213" cy="584775"/>
+            <a:ext cx="9637051" cy="1569660"/>
           </a:xfrm>
           <a:prstGeom prst="rect">
             <a:avLst/>
@@ -6102,7 +6107,21 @@
                 <a:latin typeface="Times New Roman" panose="02020603050405020304" pitchFamily="18" charset="0"/>
                 <a:cs typeface="Times New Roman" panose="02020603050405020304" pitchFamily="18" charset="0"/>
               </a:rPr>
-              <a:t>Создание игры</a:t>
+              <a:t>Создание </a:t>
+            </a:r>
+            <a:r>
+              <a:rPr lang="ru-RU" sz="3200" dirty="0" smtClean="0">
+                <a:latin typeface="Times New Roman" panose="02020603050405020304" pitchFamily="18" charset="0"/>
+                <a:cs typeface="Times New Roman" panose="02020603050405020304" pitchFamily="18" charset="0"/>
+              </a:rPr>
+              <a:t>веб-приложения, отработка навыков при работе с веб-приложениями при помощи библиотек </a:t>
+            </a:r>
+            <a:r>
+              <a:rPr lang="en-US" sz="3200" dirty="0" smtClean="0">
+                <a:latin typeface="Times New Roman" panose="02020603050405020304" pitchFamily="18" charset="0"/>
+                <a:cs typeface="Times New Roman" panose="02020603050405020304" pitchFamily="18" charset="0"/>
+              </a:rPr>
+              <a:t>flask</a:t>
             </a:r>
             <a:endParaRPr lang="ru-RU" sz="3200" dirty="0">
               <a:latin typeface="Times New Roman" panose="02020603050405020304" pitchFamily="18" charset="0"/>
@@ -6204,8 +6223,8 @@
         </p:nvSpPr>
         <p:spPr>
           <a:xfrm>
-            <a:off x="1022928" y="1431362"/>
-            <a:ext cx="8222672" cy="2062103"/>
+            <a:off x="1022927" y="1431362"/>
+            <a:ext cx="9865651" cy="1569660"/>
           </a:xfrm>
           <a:prstGeom prst="rect">
             <a:avLst/>
@@ -6223,22 +6242,19 @@
                 <a:latin typeface="Times New Roman" panose="02020603050405020304" pitchFamily="18" charset="0"/>
                 <a:cs typeface="Times New Roman" panose="02020603050405020304" pitchFamily="18" charset="0"/>
               </a:rPr>
-              <a:t>Создание игры, при помощи специальной библиотеки </a:t>
-            </a:r>
-            <a:r>
-              <a:rPr lang="en-US" sz="3200" dirty="0" err="1">
+              <a:t>Создание </a:t>
+            </a:r>
+            <a:r>
+              <a:rPr lang="ru-RU" sz="3200" dirty="0" smtClean="0">
                 <a:latin typeface="Times New Roman" panose="02020603050405020304" pitchFamily="18" charset="0"/>
                 <a:cs typeface="Times New Roman" panose="02020603050405020304" pitchFamily="18" charset="0"/>
               </a:rPr>
-              <a:t>Pygame</a:t>
-            </a:r>
-            <a:r>
-              <a:rPr lang="ru-RU" sz="3200" dirty="0">
-                <a:latin typeface="Times New Roman" panose="02020603050405020304" pitchFamily="18" charset="0"/>
-                <a:cs typeface="Times New Roman" panose="02020603050405020304" pitchFamily="18" charset="0"/>
-              </a:rPr>
-              <a:t>, в которой пользователь будет сражаться с вражеской техникой на своем танке</a:t>
-            </a:r>
+              <a:t>приложения «Электронный дневник», приложение будет похоже на современные школьные электронные дневники</a:t>
+            </a:r>
+            <a:endParaRPr lang="ru-RU" sz="3200" dirty="0">
+              <a:latin typeface="Times New Roman" panose="02020603050405020304" pitchFamily="18" charset="0"/>
+              <a:cs typeface="Times New Roman" panose="02020603050405020304" pitchFamily="18" charset="0"/>
+            </a:endParaRPr>
           </a:p>
         </p:txBody>
       </p:sp>
@@ -6284,8 +6300,8 @@
         </p:nvSpPr>
         <p:spPr>
           <a:xfrm>
-            <a:off x="646111" y="452718"/>
-            <a:ext cx="9944195" cy="6073588"/>
+            <a:off x="658142" y="1355087"/>
+            <a:ext cx="10531226" cy="4179440"/>
           </a:xfrm>
         </p:spPr>
         <p:txBody>
@@ -6297,110 +6313,98 @@
                 <a:latin typeface="Times New Roman" panose="02020603050405020304" pitchFamily="18" charset="0"/>
                 <a:cs typeface="Times New Roman" panose="02020603050405020304" pitchFamily="18" charset="0"/>
               </a:rPr>
-              <a:t>В приложении использовалось несколько </a:t>
+              <a:t>	Модульный программа, в </a:t>
             </a:r>
             <a:r>
               <a:rPr lang="ru-RU" sz="3200" dirty="0" smtClean="0">
                 <a:latin typeface="Times New Roman" panose="02020603050405020304" pitchFamily="18" charset="0"/>
                 <a:cs typeface="Times New Roman" panose="02020603050405020304" pitchFamily="18" charset="0"/>
               </a:rPr>
-              <a:t>классов,</a:t>
-            </a:r>
-            <a:br>
+              <a:t>приложении использовалось </a:t>
+            </a:r>
+            <a:r>
               <a:rPr lang="ru-RU" sz="3200" dirty="0" smtClean="0">
                 <a:latin typeface="Times New Roman" panose="02020603050405020304" pitchFamily="18" charset="0"/>
                 <a:cs typeface="Times New Roman" panose="02020603050405020304" pitchFamily="18" charset="0"/>
               </a:rPr>
-            </a:br>
+              <a:t>много классов, которые </a:t>
+            </a:r>
             <a:r>
               <a:rPr lang="ru-RU" sz="3200" dirty="0" smtClean="0">
                 <a:latin typeface="Times New Roman" panose="02020603050405020304" pitchFamily="18" charset="0"/>
                 <a:cs typeface="Times New Roman" panose="02020603050405020304" pitchFamily="18" charset="0"/>
               </a:rPr>
-              <a:t>которые использовались для создания, передвижения и взаимодействия различных объектов и персонажей</a:t>
+              <a:t>использовались для </a:t>
+            </a:r>
+            <a:r>
+              <a:rPr lang="ru-RU" sz="3200" dirty="0" smtClean="0">
+                <a:latin typeface="Times New Roman" panose="02020603050405020304" pitchFamily="18" charset="0"/>
+                <a:cs typeface="Times New Roman" panose="02020603050405020304" pitchFamily="18" charset="0"/>
+              </a:rPr>
+              <a:t>описания моделей таблиц в базе данных. </a:t>
+            </a:r>
+            <a:r>
+              <a:rPr lang="ru-RU" sz="3200" dirty="0" smtClean="0">
+                <a:latin typeface="Times New Roman" panose="02020603050405020304" pitchFamily="18" charset="0"/>
+                <a:cs typeface="Times New Roman" panose="02020603050405020304" pitchFamily="18" charset="0"/>
+              </a:rPr>
+              <a:t>Также </a:t>
+            </a:r>
+            <a:r>
+              <a:rPr lang="ru-RU" sz="3200" dirty="0" smtClean="0">
+                <a:latin typeface="Times New Roman" panose="02020603050405020304" pitchFamily="18" charset="0"/>
+                <a:cs typeface="Times New Roman" panose="02020603050405020304" pitchFamily="18" charset="0"/>
+              </a:rPr>
+              <a:t>использовались различные библиотеки, собственно сама библиотека </a:t>
             </a:r>
             <a:r>
               <a:rPr lang="en-US" sz="3200" dirty="0" smtClean="0">
                 <a:latin typeface="Times New Roman" panose="02020603050405020304" pitchFamily="18" charset="0"/>
                 <a:cs typeface="Times New Roman" panose="02020603050405020304" pitchFamily="18" charset="0"/>
               </a:rPr>
-              <a:t/>
-            </a:r>
-            <a:br>
+              <a:t>flask</a:t>
+            </a:r>
+            <a:r>
+              <a:rPr lang="ru-RU" sz="3200" dirty="0" smtClean="0">
+                <a:latin typeface="Times New Roman" panose="02020603050405020304" pitchFamily="18" charset="0"/>
+                <a:cs typeface="Times New Roman" panose="02020603050405020304" pitchFamily="18" charset="0"/>
+              </a:rPr>
+              <a:t>, </a:t>
+            </a:r>
+            <a:r>
+              <a:rPr lang="ru-RU" sz="3200" dirty="0" smtClean="0">
+                <a:latin typeface="Times New Roman" panose="02020603050405020304" pitchFamily="18" charset="0"/>
+                <a:cs typeface="Times New Roman" panose="02020603050405020304" pitchFamily="18" charset="0"/>
+              </a:rPr>
+              <a:t>а также </a:t>
+            </a:r>
+            <a:r>
               <a:rPr lang="en-US" sz="3200" dirty="0" smtClean="0">
                 <a:latin typeface="Times New Roman" panose="02020603050405020304" pitchFamily="18" charset="0"/>
                 <a:cs typeface="Times New Roman" panose="02020603050405020304" pitchFamily="18" charset="0"/>
               </a:rPr>
-            </a:br>
+              <a:t>flask-login </a:t>
+            </a:r>
             <a:r>
               <a:rPr lang="ru-RU" sz="3200" dirty="0" smtClean="0">
                 <a:latin typeface="Times New Roman" panose="02020603050405020304" pitchFamily="18" charset="0"/>
                 <a:cs typeface="Times New Roman" panose="02020603050405020304" pitchFamily="18" charset="0"/>
               </a:rPr>
-              <a:t>Также использовались </a:t>
-            </a:r>
-            <a:r>
-              <a:rPr lang="ru-RU" sz="3200" dirty="0" smtClean="0">
-                <a:latin typeface="Times New Roman" panose="02020603050405020304" pitchFamily="18" charset="0"/>
-                <a:cs typeface="Times New Roman" panose="02020603050405020304" pitchFamily="18" charset="0"/>
-              </a:rPr>
-              <a:t>различные библиотеки, собственно сама библиотека </a:t>
-            </a:r>
-            <a:r>
-              <a:rPr lang="en-US" sz="3200" dirty="0" err="1" smtClean="0">
-                <a:latin typeface="Times New Roman" panose="02020603050405020304" pitchFamily="18" charset="0"/>
-                <a:cs typeface="Times New Roman" panose="02020603050405020304" pitchFamily="18" charset="0"/>
-              </a:rPr>
-              <a:t>pygame</a:t>
-            </a:r>
-            <a:r>
-              <a:rPr lang="ru-RU" sz="3200" dirty="0" smtClean="0">
-                <a:latin typeface="Times New Roman" panose="02020603050405020304" pitchFamily="18" charset="0"/>
-                <a:cs typeface="Times New Roman" panose="02020603050405020304" pitchFamily="18" charset="0"/>
-              </a:rPr>
-              <a:t>, а также </a:t>
-            </a:r>
-            <a:r>
-              <a:rPr lang="en-US" sz="3200" dirty="0" err="1" smtClean="0">
-                <a:latin typeface="Times New Roman" panose="02020603050405020304" pitchFamily="18" charset="0"/>
-                <a:cs typeface="Times New Roman" panose="02020603050405020304" pitchFamily="18" charset="0"/>
-              </a:rPr>
-              <a:t>pygame_gui</a:t>
+              <a:t>и </a:t>
             </a:r>
             <a:r>
               <a:rPr lang="en-US" sz="3200" dirty="0" smtClean="0">
                 <a:latin typeface="Times New Roman" panose="02020603050405020304" pitchFamily="18" charset="0"/>
                 <a:cs typeface="Times New Roman" panose="02020603050405020304" pitchFamily="18" charset="0"/>
               </a:rPr>
-              <a:t> </a:t>
-            </a:r>
-            <a:r>
-              <a:rPr lang="ru-RU" sz="3200" dirty="0" smtClean="0">
+              <a:t>flask-wtf</a:t>
+            </a:r>
+            <a:r>
+              <a:rPr lang="ru-RU" sz="3200" dirty="0">
                 <a:latin typeface="Times New Roman" panose="02020603050405020304" pitchFamily="18" charset="0"/>
                 <a:cs typeface="Times New Roman" panose="02020603050405020304" pitchFamily="18" charset="0"/>
               </a:rPr>
-              <a:t>для создания интерфейса и </a:t>
-            </a:r>
-            <a:r>
-              <a:rPr lang="en-US" sz="3200" dirty="0" err="1" smtClean="0">
-                <a:latin typeface="Times New Roman" panose="02020603050405020304" pitchFamily="18" charset="0"/>
-                <a:cs typeface="Times New Roman" panose="02020603050405020304" pitchFamily="18" charset="0"/>
-              </a:rPr>
-              <a:t>pytmx</a:t>
-            </a:r>
-            <a:r>
-              <a:rPr lang="en-US" sz="3200" dirty="0" smtClean="0">
-                <a:latin typeface="Times New Roman" panose="02020603050405020304" pitchFamily="18" charset="0"/>
-                <a:cs typeface="Times New Roman" panose="02020603050405020304" pitchFamily="18" charset="0"/>
-              </a:rPr>
-              <a:t> </a:t>
-            </a:r>
-            <a:r>
-              <a:rPr lang="ru-RU" sz="3200" dirty="0" smtClean="0">
-                <a:latin typeface="Times New Roman" panose="02020603050405020304" pitchFamily="18" charset="0"/>
-                <a:cs typeface="Times New Roman" panose="02020603050405020304" pitchFamily="18" charset="0"/>
-              </a:rPr>
-              <a:t>для удобной работой с картой</a:t>
+              <a:t>.</a:t>
             </a:r>
             <a:endParaRPr lang="ru-RU" sz="3200" dirty="0">
               <a:latin typeface="Times New Roman" panose="02020603050405020304" pitchFamily="18" charset="0"/>
@@ -6498,14 +6502,49 @@
                 <a:latin typeface="Times New Roman" panose="02020603050405020304" pitchFamily="18" charset="0"/>
                 <a:cs typeface="Times New Roman" panose="02020603050405020304" pitchFamily="18" charset="0"/>
               </a:rPr>
-              <a:t>Игра была реализована, сама игра мне нравится, также я дал поиграть в неё брату и ему очень понравилось, к тому же я применил свои знания и умения в работе над этой игрой при помощи библиотеки </a:t>
-            </a:r>
-            <a:r>
-              <a:rPr lang="en-US" sz="4000" dirty="0" err="1" smtClean="0">
+              <a:t>Приложение было реализовано, </a:t>
+            </a:r>
+            <a:r>
+              <a:rPr lang="ru-RU" sz="4000" dirty="0" smtClean="0">
                 <a:latin typeface="Times New Roman" panose="02020603050405020304" pitchFamily="18" charset="0"/>
                 <a:cs typeface="Times New Roman" panose="02020603050405020304" pitchFamily="18" charset="0"/>
               </a:rPr>
-              <a:t>pygame</a:t>
+              <a:t>по-моему получилось очень даже неплохо</a:t>
+            </a:r>
+            <a:r>
+              <a:rPr lang="ru-RU" sz="4000" dirty="0" smtClean="0">
+                <a:latin typeface="Times New Roman" panose="02020603050405020304" pitchFamily="18" charset="0"/>
+                <a:cs typeface="Times New Roman" panose="02020603050405020304" pitchFamily="18" charset="0"/>
+              </a:rPr>
+              <a:t>, </a:t>
+            </a:r>
+            <a:r>
+              <a:rPr lang="ru-RU" sz="4000" dirty="0" smtClean="0">
+                <a:latin typeface="Times New Roman" panose="02020603050405020304" pitchFamily="18" charset="0"/>
+                <a:cs typeface="Times New Roman" panose="02020603050405020304" pitchFamily="18" charset="0"/>
+              </a:rPr>
+              <a:t>к тому же я применил свои знания и умения в работе над </a:t>
+            </a:r>
+            <a:r>
+              <a:rPr lang="ru-RU" sz="4000" dirty="0" smtClean="0">
+                <a:latin typeface="Times New Roman" panose="02020603050405020304" pitchFamily="18" charset="0"/>
+                <a:cs typeface="Times New Roman" panose="02020603050405020304" pitchFamily="18" charset="0"/>
+              </a:rPr>
+              <a:t>этим приложением при </a:t>
+            </a:r>
+            <a:r>
+              <a:rPr lang="ru-RU" sz="4000" dirty="0" smtClean="0">
+                <a:latin typeface="Times New Roman" panose="02020603050405020304" pitchFamily="18" charset="0"/>
+                <a:cs typeface="Times New Roman" panose="02020603050405020304" pitchFamily="18" charset="0"/>
+              </a:rPr>
+              <a:t>помощи библиотеки </a:t>
+            </a:r>
+            <a:r>
+              <a:rPr lang="en-US" sz="4000" dirty="0" smtClean="0">
+                <a:latin typeface="Times New Roman" panose="02020603050405020304" pitchFamily="18" charset="0"/>
+                <a:cs typeface="Times New Roman" panose="02020603050405020304" pitchFamily="18" charset="0"/>
+              </a:rPr>
+              <a:t>flask</a:t>
             </a:r>
             <a:r>
               <a:rPr lang="en-US" sz="3600" dirty="0" smtClean="0">
@@ -6531,6 +6570,37 @@
               <a:latin typeface="Times New Roman" panose="02020603050405020304" pitchFamily="18" charset="0"/>
               <a:cs typeface="Times New Roman" panose="02020603050405020304" pitchFamily="18" charset="0"/>
             </a:endParaRPr>
+          </a:p>
+        </p:txBody>
+      </p:sp>
+      <p:sp>
+        <p:nvSpPr>
+          <p:cNvPr id="3" name="Прямоугольник 2"/>
+          <p:cNvSpPr/>
+          <p:nvPr/>
+        </p:nvSpPr>
+        <p:spPr>
+          <a:xfrm>
+            <a:off x="900142" y="4435460"/>
+            <a:ext cx="8896659" cy="584775"/>
+          </a:xfrm>
+          <a:prstGeom prst="rect">
+            <a:avLst/>
+          </a:prstGeom>
+        </p:spPr>
+        <p:txBody>
+          <a:bodyPr wrap="square">
+            <a:spAutoFit/>
+          </a:bodyPr>
+          <a:lstStyle/>
+          <a:p>
+            <a:r>
+              <a:rPr lang="ru-RU" sz="3200" dirty="0">
+                <a:latin typeface="Times New Roman" panose="02020603050405020304" pitchFamily="18" charset="0"/>
+                <a:cs typeface="Times New Roman" panose="02020603050405020304" pitchFamily="18" charset="0"/>
+              </a:rPr>
+              <a:t>https://web-app-school-diary.herokuapp.com/</a:t>
+            </a:r>
           </a:p>
         </p:txBody>
       </p:sp>
